--- a/examples/Human_source_tracking/HumanSourceTracking-merge_figures.pptx
+++ b/examples/Human_source_tracking/HumanSourceTracking-merge_figures.pptx
@@ -6,6 +6,7 @@
   </p:sldMasterIdLst>
   <p:sldIdLst>
     <p:sldId id="256" r:id="rId2"/>
+    <p:sldId id="257" r:id="rId3"/>
   </p:sldIdLst>
   <p:sldSz cx="9144000" cy="6858000" type="screen4x3"/>
   <p:notesSz cx="6858000" cy="9144000"/>
@@ -243,7 +244,7 @@
           <a:p>
             <a:fld id="{0BC26E8F-984E-4633-A9CB-E8DF5228F4EF}" type="datetimeFigureOut">
               <a:rPr lang="zh-CN" altLang="en-US" smtClean="0"/>
-              <a:t>2020/7/23</a:t>
+              <a:t>2020/8/7</a:t>
             </a:fld>
             <a:endParaRPr lang="zh-CN" altLang="en-US"/>
           </a:p>
@@ -413,7 +414,7 @@
           <a:p>
             <a:fld id="{0BC26E8F-984E-4633-A9CB-E8DF5228F4EF}" type="datetimeFigureOut">
               <a:rPr lang="zh-CN" altLang="en-US" smtClean="0"/>
-              <a:t>2020/7/23</a:t>
+              <a:t>2020/8/7</a:t>
             </a:fld>
             <a:endParaRPr lang="zh-CN" altLang="en-US"/>
           </a:p>
@@ -593,7 +594,7 @@
           <a:p>
             <a:fld id="{0BC26E8F-984E-4633-A9CB-E8DF5228F4EF}" type="datetimeFigureOut">
               <a:rPr lang="zh-CN" altLang="en-US" smtClean="0"/>
-              <a:t>2020/7/23</a:t>
+              <a:t>2020/8/7</a:t>
             </a:fld>
             <a:endParaRPr lang="zh-CN" altLang="en-US"/>
           </a:p>
@@ -763,7 +764,7 @@
           <a:p>
             <a:fld id="{0BC26E8F-984E-4633-A9CB-E8DF5228F4EF}" type="datetimeFigureOut">
               <a:rPr lang="zh-CN" altLang="en-US" smtClean="0"/>
-              <a:t>2020/7/23</a:t>
+              <a:t>2020/8/7</a:t>
             </a:fld>
             <a:endParaRPr lang="zh-CN" altLang="en-US"/>
           </a:p>
@@ -1007,7 +1008,7 @@
           <a:p>
             <a:fld id="{0BC26E8F-984E-4633-A9CB-E8DF5228F4EF}" type="datetimeFigureOut">
               <a:rPr lang="zh-CN" altLang="en-US" smtClean="0"/>
-              <a:t>2020/7/23</a:t>
+              <a:t>2020/8/7</a:t>
             </a:fld>
             <a:endParaRPr lang="zh-CN" altLang="en-US"/>
           </a:p>
@@ -1239,7 +1240,7 @@
           <a:p>
             <a:fld id="{0BC26E8F-984E-4633-A9CB-E8DF5228F4EF}" type="datetimeFigureOut">
               <a:rPr lang="zh-CN" altLang="en-US" smtClean="0"/>
-              <a:t>2020/7/23</a:t>
+              <a:t>2020/8/7</a:t>
             </a:fld>
             <a:endParaRPr lang="zh-CN" altLang="en-US"/>
           </a:p>
@@ -1606,7 +1607,7 @@
           <a:p>
             <a:fld id="{0BC26E8F-984E-4633-A9CB-E8DF5228F4EF}" type="datetimeFigureOut">
               <a:rPr lang="zh-CN" altLang="en-US" smtClean="0"/>
-              <a:t>2020/7/23</a:t>
+              <a:t>2020/8/7</a:t>
             </a:fld>
             <a:endParaRPr lang="zh-CN" altLang="en-US"/>
           </a:p>
@@ -1724,7 +1725,7 @@
           <a:p>
             <a:fld id="{0BC26E8F-984E-4633-A9CB-E8DF5228F4EF}" type="datetimeFigureOut">
               <a:rPr lang="zh-CN" altLang="en-US" smtClean="0"/>
-              <a:t>2020/7/23</a:t>
+              <a:t>2020/8/7</a:t>
             </a:fld>
             <a:endParaRPr lang="zh-CN" altLang="en-US"/>
           </a:p>
@@ -1819,7 +1820,7 @@
           <a:p>
             <a:fld id="{0BC26E8F-984E-4633-A9CB-E8DF5228F4EF}" type="datetimeFigureOut">
               <a:rPr lang="zh-CN" altLang="en-US" smtClean="0"/>
-              <a:t>2020/7/23</a:t>
+              <a:t>2020/8/7</a:t>
             </a:fld>
             <a:endParaRPr lang="zh-CN" altLang="en-US"/>
           </a:p>
@@ -2096,7 +2097,7 @@
           <a:p>
             <a:fld id="{0BC26E8F-984E-4633-A9CB-E8DF5228F4EF}" type="datetimeFigureOut">
               <a:rPr lang="zh-CN" altLang="en-US" smtClean="0"/>
-              <a:t>2020/7/23</a:t>
+              <a:t>2020/8/7</a:t>
             </a:fld>
             <a:endParaRPr lang="zh-CN" altLang="en-US"/>
           </a:p>
@@ -2353,7 +2354,7 @@
           <a:p>
             <a:fld id="{0BC26E8F-984E-4633-A9CB-E8DF5228F4EF}" type="datetimeFigureOut">
               <a:rPr lang="zh-CN" altLang="en-US" smtClean="0"/>
-              <a:t>2020/7/23</a:t>
+              <a:t>2020/8/7</a:t>
             </a:fld>
             <a:endParaRPr lang="zh-CN" altLang="en-US"/>
           </a:p>
@@ -2566,7 +2567,7 @@
           <a:p>
             <a:fld id="{0BC26E8F-984E-4633-A9CB-E8DF5228F4EF}" type="datetimeFigureOut">
               <a:rPr lang="zh-CN" altLang="en-US" smtClean="0"/>
-              <a:t>2020/7/23</a:t>
+              <a:t>2020/8/7</a:t>
             </a:fld>
             <a:endParaRPr lang="zh-CN" altLang="en-US"/>
           </a:p>
@@ -3280,6 +3281,252 @@
 </p:sld>
 </file>
 
+<file path=ppt/slides/slide2.xml><?xml version="1.0" encoding="utf-8"?>
+<p:sld xmlns:a="http://schemas.openxmlformats.org/drawingml/2006/main" xmlns:r="http://schemas.openxmlformats.org/officeDocument/2006/relationships" xmlns:p="http://schemas.openxmlformats.org/presentationml/2006/main">
+  <p:cSld>
+    <p:spTree>
+      <p:nvGrpSpPr>
+        <p:cNvPr id="1" name=""/>
+        <p:cNvGrpSpPr/>
+        <p:nvPr/>
+      </p:nvGrpSpPr>
+      <p:grpSpPr>
+        <a:xfrm>
+          <a:off x="0" y="0"/>
+          <a:ext cx="0" cy="0"/>
+          <a:chOff x="0" y="0"/>
+          <a:chExt cx="0" cy="0"/>
+        </a:xfrm>
+      </p:grpSpPr>
+      <p:grpSp>
+        <p:nvGrpSpPr>
+          <p:cNvPr id="2" name="组合 1">
+            <a:extLst>
+              <a:ext uri="{FF2B5EF4-FFF2-40B4-BE49-F238E27FC236}">
+                <a16:creationId xmlns:a16="http://schemas.microsoft.com/office/drawing/2014/main" id="{2AC147C9-1997-4081-9E6C-DE3766517965}"/>
+              </a:ext>
+            </a:extLst>
+          </p:cNvPr>
+          <p:cNvGrpSpPr/>
+          <p:nvPr/>
+        </p:nvGrpSpPr>
+        <p:grpSpPr>
+          <a:xfrm>
+            <a:off x="115494" y="345913"/>
+            <a:ext cx="8775464" cy="3988849"/>
+            <a:chOff x="115494" y="345913"/>
+            <a:chExt cx="8775464" cy="3988849"/>
+          </a:xfrm>
+        </p:grpSpPr>
+        <p:pic>
+          <p:nvPicPr>
+            <p:cNvPr id="5" name="图形 4">
+              <a:extLst>
+                <a:ext uri="{FF2B5EF4-FFF2-40B4-BE49-F238E27FC236}">
+                  <a16:creationId xmlns:a16="http://schemas.microsoft.com/office/drawing/2014/main" id="{9F6EE218-1478-413E-B65A-C5331455DA48}"/>
+                </a:ext>
+              </a:extLst>
+            </p:cNvPr>
+            <p:cNvPicPr>
+              <a:picLocks noChangeAspect="1"/>
+            </p:cNvPicPr>
+            <p:nvPr/>
+          </p:nvPicPr>
+          <p:blipFill>
+            <a:blip r:embed="rId2">
+              <a:extLst>
+                <a:ext uri="{28A0092B-C50C-407E-A947-70E740481C1C}">
+                  <a14:useLocalDpi xmlns:a14="http://schemas.microsoft.com/office/drawing/2010/main" val="0"/>
+                </a:ext>
+                <a:ext uri="{96DAC541-7B7A-43D3-8B79-37D633B846F1}">
+                  <asvg:svgBlip xmlns:asvg="http://schemas.microsoft.com/office/drawing/2016/SVG/main" r:embed="rId3"/>
+                </a:ext>
+              </a:extLst>
+            </a:blip>
+            <a:stretch>
+              <a:fillRect/>
+            </a:stretch>
+          </p:blipFill>
+          <p:spPr>
+            <a:xfrm>
+              <a:off x="115494" y="345913"/>
+              <a:ext cx="8775464" cy="797770"/>
+            </a:xfrm>
+            <a:prstGeom prst="rect">
+              <a:avLst/>
+            </a:prstGeom>
+          </p:spPr>
+        </p:pic>
+        <p:pic>
+          <p:nvPicPr>
+            <p:cNvPr id="8" name="图形 7">
+              <a:extLst>
+                <a:ext uri="{FF2B5EF4-FFF2-40B4-BE49-F238E27FC236}">
+                  <a16:creationId xmlns:a16="http://schemas.microsoft.com/office/drawing/2014/main" id="{2D4EA444-C545-45EF-97F0-269D550267A3}"/>
+                </a:ext>
+              </a:extLst>
+            </p:cNvPr>
+            <p:cNvPicPr>
+              <a:picLocks noChangeAspect="1"/>
+            </p:cNvPicPr>
+            <p:nvPr/>
+          </p:nvPicPr>
+          <p:blipFill>
+            <a:blip r:embed="rId4">
+              <a:extLst>
+                <a:ext uri="{28A0092B-C50C-407E-A947-70E740481C1C}">
+                  <a14:useLocalDpi xmlns:a14="http://schemas.microsoft.com/office/drawing/2010/main" val="0"/>
+                </a:ext>
+                <a:ext uri="{96DAC541-7B7A-43D3-8B79-37D633B846F1}">
+                  <asvg:svgBlip xmlns:asvg="http://schemas.microsoft.com/office/drawing/2016/SVG/main" r:embed="rId5"/>
+                </a:ext>
+              </a:extLst>
+            </a:blip>
+            <a:stretch>
+              <a:fillRect/>
+            </a:stretch>
+          </p:blipFill>
+          <p:spPr>
+            <a:xfrm>
+              <a:off x="115494" y="1143683"/>
+              <a:ext cx="8775464" cy="797770"/>
+            </a:xfrm>
+            <a:prstGeom prst="rect">
+              <a:avLst/>
+            </a:prstGeom>
+          </p:spPr>
+        </p:pic>
+        <p:pic>
+          <p:nvPicPr>
+            <p:cNvPr id="12" name="图形 11">
+              <a:extLst>
+                <a:ext uri="{FF2B5EF4-FFF2-40B4-BE49-F238E27FC236}">
+                  <a16:creationId xmlns:a16="http://schemas.microsoft.com/office/drawing/2014/main" id="{47322713-B092-47AD-8290-81785543F152}"/>
+                </a:ext>
+              </a:extLst>
+            </p:cNvPr>
+            <p:cNvPicPr>
+              <a:picLocks noChangeAspect="1"/>
+            </p:cNvPicPr>
+            <p:nvPr/>
+          </p:nvPicPr>
+          <p:blipFill>
+            <a:blip r:embed="rId6">
+              <a:extLst>
+                <a:ext uri="{28A0092B-C50C-407E-A947-70E740481C1C}">
+                  <a14:useLocalDpi xmlns:a14="http://schemas.microsoft.com/office/drawing/2010/main" val="0"/>
+                </a:ext>
+                <a:ext uri="{96DAC541-7B7A-43D3-8B79-37D633B846F1}">
+                  <asvg:svgBlip xmlns:asvg="http://schemas.microsoft.com/office/drawing/2016/SVG/main" r:embed="rId7"/>
+                </a:ext>
+              </a:extLst>
+            </a:blip>
+            <a:stretch>
+              <a:fillRect/>
+            </a:stretch>
+          </p:blipFill>
+          <p:spPr>
+            <a:xfrm>
+              <a:off x="115494" y="1941452"/>
+              <a:ext cx="8775464" cy="797770"/>
+            </a:xfrm>
+            <a:prstGeom prst="rect">
+              <a:avLst/>
+            </a:prstGeom>
+          </p:spPr>
+        </p:pic>
+        <p:pic>
+          <p:nvPicPr>
+            <p:cNvPr id="16" name="图形 15">
+              <a:extLst>
+                <a:ext uri="{FF2B5EF4-FFF2-40B4-BE49-F238E27FC236}">
+                  <a16:creationId xmlns:a16="http://schemas.microsoft.com/office/drawing/2014/main" id="{67EE8BEA-AA50-4978-982C-74BBC2620604}"/>
+                </a:ext>
+              </a:extLst>
+            </p:cNvPr>
+            <p:cNvPicPr>
+              <a:picLocks noChangeAspect="1"/>
+            </p:cNvPicPr>
+            <p:nvPr/>
+          </p:nvPicPr>
+          <p:blipFill>
+            <a:blip r:embed="rId8">
+              <a:extLst>
+                <a:ext uri="{28A0092B-C50C-407E-A947-70E740481C1C}">
+                  <a14:useLocalDpi xmlns:a14="http://schemas.microsoft.com/office/drawing/2010/main" val="0"/>
+                </a:ext>
+                <a:ext uri="{96DAC541-7B7A-43D3-8B79-37D633B846F1}">
+                  <asvg:svgBlip xmlns:asvg="http://schemas.microsoft.com/office/drawing/2016/SVG/main" r:embed="rId9"/>
+                </a:ext>
+              </a:extLst>
+            </a:blip>
+            <a:stretch>
+              <a:fillRect/>
+            </a:stretch>
+          </p:blipFill>
+          <p:spPr>
+            <a:xfrm>
+              <a:off x="115494" y="2739222"/>
+              <a:ext cx="8775464" cy="797770"/>
+            </a:xfrm>
+            <a:prstGeom prst="rect">
+              <a:avLst/>
+            </a:prstGeom>
+          </p:spPr>
+        </p:pic>
+        <p:pic>
+          <p:nvPicPr>
+            <p:cNvPr id="21" name="图形 20">
+              <a:extLst>
+                <a:ext uri="{FF2B5EF4-FFF2-40B4-BE49-F238E27FC236}">
+                  <a16:creationId xmlns:a16="http://schemas.microsoft.com/office/drawing/2014/main" id="{B70D38AC-4FD7-4C77-A8C5-A5FC8FCCFDD6}"/>
+                </a:ext>
+              </a:extLst>
+            </p:cNvPr>
+            <p:cNvPicPr>
+              <a:picLocks noChangeAspect="1"/>
+            </p:cNvPicPr>
+            <p:nvPr/>
+          </p:nvPicPr>
+          <p:blipFill>
+            <a:blip r:embed="rId10">
+              <a:extLst>
+                <a:ext uri="{28A0092B-C50C-407E-A947-70E740481C1C}">
+                  <a14:useLocalDpi xmlns:a14="http://schemas.microsoft.com/office/drawing/2010/main" val="0"/>
+                </a:ext>
+                <a:ext uri="{96DAC541-7B7A-43D3-8B79-37D633B846F1}">
+                  <asvg:svgBlip xmlns:asvg="http://schemas.microsoft.com/office/drawing/2016/SVG/main" r:embed="rId11"/>
+                </a:ext>
+              </a:extLst>
+            </a:blip>
+            <a:stretch>
+              <a:fillRect/>
+            </a:stretch>
+          </p:blipFill>
+          <p:spPr>
+            <a:xfrm>
+              <a:off x="115494" y="3536992"/>
+              <a:ext cx="8775464" cy="797770"/>
+            </a:xfrm>
+            <a:prstGeom prst="rect">
+              <a:avLst/>
+            </a:prstGeom>
+          </p:spPr>
+        </p:pic>
+      </p:grpSp>
+    </p:spTree>
+    <p:extLst>
+      <p:ext uri="{BB962C8B-B14F-4D97-AF65-F5344CB8AC3E}">
+        <p14:creationId xmlns:p14="http://schemas.microsoft.com/office/powerpoint/2010/main" val="40749281"/>
+      </p:ext>
+    </p:extLst>
+  </p:cSld>
+  <p:clrMapOvr>
+    <a:masterClrMapping/>
+  </p:clrMapOvr>
+</p:sld>
+</file>
+
 <file path=ppt/theme/theme1.xml><?xml version="1.0" encoding="utf-8"?>
 <a:theme xmlns:a="http://schemas.openxmlformats.org/drawingml/2006/main" name="Office 主题​​">
   <a:themeElements>

--- a/examples/Human_source_tracking/HumanSourceTracking-merge_figures.pptx
+++ b/examples/Human_source_tracking/HumanSourceTracking-merge_figures.pptx
@@ -244,7 +244,7 @@
           <a:p>
             <a:fld id="{0BC26E8F-984E-4633-A9CB-E8DF5228F4EF}" type="datetimeFigureOut">
               <a:rPr lang="zh-CN" altLang="en-US" smtClean="0"/>
-              <a:t>2020/8/7</a:t>
+              <a:t>2020/8/16</a:t>
             </a:fld>
             <a:endParaRPr lang="zh-CN" altLang="en-US"/>
           </a:p>
@@ -414,7 +414,7 @@
           <a:p>
             <a:fld id="{0BC26E8F-984E-4633-A9CB-E8DF5228F4EF}" type="datetimeFigureOut">
               <a:rPr lang="zh-CN" altLang="en-US" smtClean="0"/>
-              <a:t>2020/8/7</a:t>
+              <a:t>2020/8/16</a:t>
             </a:fld>
             <a:endParaRPr lang="zh-CN" altLang="en-US"/>
           </a:p>
@@ -594,7 +594,7 @@
           <a:p>
             <a:fld id="{0BC26E8F-984E-4633-A9CB-E8DF5228F4EF}" type="datetimeFigureOut">
               <a:rPr lang="zh-CN" altLang="en-US" smtClean="0"/>
-              <a:t>2020/8/7</a:t>
+              <a:t>2020/8/16</a:t>
             </a:fld>
             <a:endParaRPr lang="zh-CN" altLang="en-US"/>
           </a:p>
@@ -764,7 +764,7 @@
           <a:p>
             <a:fld id="{0BC26E8F-984E-4633-A9CB-E8DF5228F4EF}" type="datetimeFigureOut">
               <a:rPr lang="zh-CN" altLang="en-US" smtClean="0"/>
-              <a:t>2020/8/7</a:t>
+              <a:t>2020/8/16</a:t>
             </a:fld>
             <a:endParaRPr lang="zh-CN" altLang="en-US"/>
           </a:p>
@@ -1008,7 +1008,7 @@
           <a:p>
             <a:fld id="{0BC26E8F-984E-4633-A9CB-E8DF5228F4EF}" type="datetimeFigureOut">
               <a:rPr lang="zh-CN" altLang="en-US" smtClean="0"/>
-              <a:t>2020/8/7</a:t>
+              <a:t>2020/8/16</a:t>
             </a:fld>
             <a:endParaRPr lang="zh-CN" altLang="en-US"/>
           </a:p>
@@ -1240,7 +1240,7 @@
           <a:p>
             <a:fld id="{0BC26E8F-984E-4633-A9CB-E8DF5228F4EF}" type="datetimeFigureOut">
               <a:rPr lang="zh-CN" altLang="en-US" smtClean="0"/>
-              <a:t>2020/8/7</a:t>
+              <a:t>2020/8/16</a:t>
             </a:fld>
             <a:endParaRPr lang="zh-CN" altLang="en-US"/>
           </a:p>
@@ -1607,7 +1607,7 @@
           <a:p>
             <a:fld id="{0BC26E8F-984E-4633-A9CB-E8DF5228F4EF}" type="datetimeFigureOut">
               <a:rPr lang="zh-CN" altLang="en-US" smtClean="0"/>
-              <a:t>2020/8/7</a:t>
+              <a:t>2020/8/16</a:t>
             </a:fld>
             <a:endParaRPr lang="zh-CN" altLang="en-US"/>
           </a:p>
@@ -1725,7 +1725,7 @@
           <a:p>
             <a:fld id="{0BC26E8F-984E-4633-A9CB-E8DF5228F4EF}" type="datetimeFigureOut">
               <a:rPr lang="zh-CN" altLang="en-US" smtClean="0"/>
-              <a:t>2020/8/7</a:t>
+              <a:t>2020/8/16</a:t>
             </a:fld>
             <a:endParaRPr lang="zh-CN" altLang="en-US"/>
           </a:p>
@@ -1820,7 +1820,7 @@
           <a:p>
             <a:fld id="{0BC26E8F-984E-4633-A9CB-E8DF5228F4EF}" type="datetimeFigureOut">
               <a:rPr lang="zh-CN" altLang="en-US" smtClean="0"/>
-              <a:t>2020/8/7</a:t>
+              <a:t>2020/8/16</a:t>
             </a:fld>
             <a:endParaRPr lang="zh-CN" altLang="en-US"/>
           </a:p>
@@ -2097,7 +2097,7 @@
           <a:p>
             <a:fld id="{0BC26E8F-984E-4633-A9CB-E8DF5228F4EF}" type="datetimeFigureOut">
               <a:rPr lang="zh-CN" altLang="en-US" smtClean="0"/>
-              <a:t>2020/8/7</a:t>
+              <a:t>2020/8/16</a:t>
             </a:fld>
             <a:endParaRPr lang="zh-CN" altLang="en-US"/>
           </a:p>
@@ -2354,7 +2354,7 @@
           <a:p>
             <a:fld id="{0BC26E8F-984E-4633-A9CB-E8DF5228F4EF}" type="datetimeFigureOut">
               <a:rPr lang="zh-CN" altLang="en-US" smtClean="0"/>
-              <a:t>2020/8/7</a:t>
+              <a:t>2020/8/16</a:t>
             </a:fld>
             <a:endParaRPr lang="zh-CN" altLang="en-US"/>
           </a:p>
@@ -2567,7 +2567,7 @@
           <a:p>
             <a:fld id="{0BC26E8F-984E-4633-A9CB-E8DF5228F4EF}" type="datetimeFigureOut">
               <a:rPr lang="zh-CN" altLang="en-US" smtClean="0"/>
-              <a:t>2020/8/7</a:t>
+              <a:t>2020/8/16</a:t>
             </a:fld>
             <a:endParaRPr lang="zh-CN" altLang="en-US"/>
           </a:p>
@@ -2974,32 +2974,30 @@
       </p:grpSpPr>
       <p:grpSp>
         <p:nvGrpSpPr>
-          <p:cNvPr id="24" name="组合 23">
+          <p:cNvPr id="10" name="组合 9">
             <a:extLst>
               <a:ext uri="{FF2B5EF4-FFF2-40B4-BE49-F238E27FC236}">
-                <a16:creationId xmlns:a16="http://schemas.microsoft.com/office/drawing/2014/main" id="{D5B4C45A-82C1-4594-9F0B-FE203845416C}"/>
+                <a16:creationId xmlns:a16="http://schemas.microsoft.com/office/drawing/2014/main" id="{721E3D7F-FCDD-453B-97E5-C4153C1A2C7E}"/>
               </a:ext>
             </a:extLst>
           </p:cNvPr>
-          <p:cNvGrpSpPr>
-            <a:grpSpLocks noChangeAspect="1"/>
-          </p:cNvGrpSpPr>
+          <p:cNvGrpSpPr/>
           <p:nvPr/>
         </p:nvGrpSpPr>
         <p:grpSpPr>
           <a:xfrm>
-            <a:off x="115494" y="345913"/>
-            <a:ext cx="8775464" cy="5584388"/>
-            <a:chOff x="-45532" y="213640"/>
-            <a:chExt cx="9144000" cy="5818911"/>
+            <a:off x="0" y="776376"/>
+            <a:ext cx="9144000" cy="5618673"/>
+            <a:chOff x="0" y="776376"/>
+            <a:chExt cx="9144000" cy="5618673"/>
           </a:xfrm>
         </p:grpSpPr>
         <p:pic>
           <p:nvPicPr>
-            <p:cNvPr id="3" name="图形 2">
+            <p:cNvPr id="11" name="图形 10">
               <a:extLst>
                 <a:ext uri="{FF2B5EF4-FFF2-40B4-BE49-F238E27FC236}">
-                  <a16:creationId xmlns:a16="http://schemas.microsoft.com/office/drawing/2014/main" id="{548C548E-FAF4-4BF7-AED5-4D47A4D9406E}"/>
+                  <a16:creationId xmlns:a16="http://schemas.microsoft.com/office/drawing/2014/main" id="{EDD9E788-97A3-45C5-816D-2D4B0E7DA8E0}"/>
                 </a:ext>
               </a:extLst>
             </p:cNvPr>
@@ -3025,8 +3023,8 @@
           </p:blipFill>
           <p:spPr>
             <a:xfrm>
-              <a:off x="-45532" y="4370005"/>
-              <a:ext cx="9144000" cy="831273"/>
+              <a:off x="0" y="3196086"/>
+              <a:ext cx="9144000" cy="762000"/>
             </a:xfrm>
             <a:prstGeom prst="rect">
               <a:avLst/>
@@ -3035,10 +3033,10 @@
         </p:pic>
         <p:pic>
           <p:nvPicPr>
-            <p:cNvPr id="5" name="图形 4">
+            <p:cNvPr id="13" name="图形 12">
               <a:extLst>
                 <a:ext uri="{FF2B5EF4-FFF2-40B4-BE49-F238E27FC236}">
-                  <a16:creationId xmlns:a16="http://schemas.microsoft.com/office/drawing/2014/main" id="{9F6EE218-1478-413E-B65A-C5331455DA48}"/>
+                  <a16:creationId xmlns:a16="http://schemas.microsoft.com/office/drawing/2014/main" id="{B65F491C-5636-4353-BCC3-D3B76D8B953B}"/>
                 </a:ext>
               </a:extLst>
             </p:cNvPr>
@@ -3064,8 +3062,8 @@
           </p:blipFill>
           <p:spPr>
             <a:xfrm>
-              <a:off x="-45532" y="213640"/>
-              <a:ext cx="9144000" cy="831273"/>
+              <a:off x="0" y="4008407"/>
+              <a:ext cx="9144000" cy="762000"/>
             </a:xfrm>
             <a:prstGeom prst="rect">
               <a:avLst/>
@@ -3074,10 +3072,10 @@
         </p:pic>
         <p:pic>
           <p:nvPicPr>
-            <p:cNvPr id="8" name="图形 7">
+            <p:cNvPr id="14" name="图形 13">
               <a:extLst>
                 <a:ext uri="{FF2B5EF4-FFF2-40B4-BE49-F238E27FC236}">
-                  <a16:creationId xmlns:a16="http://schemas.microsoft.com/office/drawing/2014/main" id="{2D4EA444-C545-45EF-97F0-269D550267A3}"/>
+                  <a16:creationId xmlns:a16="http://schemas.microsoft.com/office/drawing/2014/main" id="{BFA93E9F-5EA8-4CEA-AF5A-3BAFC911E409}"/>
                 </a:ext>
               </a:extLst>
             </p:cNvPr>
@@ -3103,8 +3101,8 @@
           </p:blipFill>
           <p:spPr>
             <a:xfrm>
-              <a:off x="-45532" y="1044913"/>
-              <a:ext cx="9144000" cy="831273"/>
+              <a:off x="0" y="5633049"/>
+              <a:ext cx="9144000" cy="762000"/>
             </a:xfrm>
             <a:prstGeom prst="rect">
               <a:avLst/>
@@ -3113,10 +3111,10 @@
         </p:pic>
         <p:pic>
           <p:nvPicPr>
-            <p:cNvPr id="12" name="图形 11">
+            <p:cNvPr id="15" name="图形 14">
               <a:extLst>
                 <a:ext uri="{FF2B5EF4-FFF2-40B4-BE49-F238E27FC236}">
-                  <a16:creationId xmlns:a16="http://schemas.microsoft.com/office/drawing/2014/main" id="{47322713-B092-47AD-8290-81785543F152}"/>
+                  <a16:creationId xmlns:a16="http://schemas.microsoft.com/office/drawing/2014/main" id="{D51A8FB8-D777-4089-ACE1-8636A4C9567E}"/>
                 </a:ext>
               </a:extLst>
             </p:cNvPr>
@@ -3142,8 +3140,8 @@
           </p:blipFill>
           <p:spPr>
             <a:xfrm>
-              <a:off x="-45532" y="1876186"/>
-              <a:ext cx="9144000" cy="831273"/>
+              <a:off x="0" y="4820728"/>
+              <a:ext cx="9144000" cy="762000"/>
             </a:xfrm>
             <a:prstGeom prst="rect">
               <a:avLst/>
@@ -3152,10 +3150,10 @@
         </p:pic>
         <p:pic>
           <p:nvPicPr>
-            <p:cNvPr id="16" name="图形 15">
+            <p:cNvPr id="17" name="图形 16">
               <a:extLst>
                 <a:ext uri="{FF2B5EF4-FFF2-40B4-BE49-F238E27FC236}">
-                  <a16:creationId xmlns:a16="http://schemas.microsoft.com/office/drawing/2014/main" id="{67EE8BEA-AA50-4978-982C-74BBC2620604}"/>
+                  <a16:creationId xmlns:a16="http://schemas.microsoft.com/office/drawing/2014/main" id="{C5FBF685-3C5F-40E2-AB32-55171A40D990}"/>
                 </a:ext>
               </a:extLst>
             </p:cNvPr>
@@ -3181,8 +3179,8 @@
           </p:blipFill>
           <p:spPr>
             <a:xfrm>
-              <a:off x="-45532" y="2707459"/>
-              <a:ext cx="9144000" cy="831273"/>
+              <a:off x="0" y="776376"/>
+              <a:ext cx="9144000" cy="762000"/>
             </a:xfrm>
             <a:prstGeom prst="rect">
               <a:avLst/>
@@ -3191,10 +3189,10 @@
         </p:pic>
         <p:pic>
           <p:nvPicPr>
-            <p:cNvPr id="21" name="图形 20">
+            <p:cNvPr id="18" name="图形 17">
               <a:extLst>
                 <a:ext uri="{FF2B5EF4-FFF2-40B4-BE49-F238E27FC236}">
-                  <a16:creationId xmlns:a16="http://schemas.microsoft.com/office/drawing/2014/main" id="{B70D38AC-4FD7-4C77-A8C5-A5FC8FCCFDD6}"/>
+                  <a16:creationId xmlns:a16="http://schemas.microsoft.com/office/drawing/2014/main" id="{041409FA-1C4C-402B-8F2F-E16161BDF9EE}"/>
                 </a:ext>
               </a:extLst>
             </p:cNvPr>
@@ -3220,8 +3218,8 @@
           </p:blipFill>
           <p:spPr>
             <a:xfrm>
-              <a:off x="-45532" y="3538732"/>
-              <a:ext cx="9144000" cy="831273"/>
+              <a:off x="0" y="1582946"/>
+              <a:ext cx="9144000" cy="762000"/>
             </a:xfrm>
             <a:prstGeom prst="rect">
               <a:avLst/>
@@ -3230,10 +3228,10 @@
         </p:pic>
         <p:pic>
           <p:nvPicPr>
-            <p:cNvPr id="23" name="图形 22">
+            <p:cNvPr id="19" name="图形 18">
               <a:extLst>
                 <a:ext uri="{FF2B5EF4-FFF2-40B4-BE49-F238E27FC236}">
-                  <a16:creationId xmlns:a16="http://schemas.microsoft.com/office/drawing/2014/main" id="{670DD057-F578-49E7-921A-519F60DA58CC}"/>
+                  <a16:creationId xmlns:a16="http://schemas.microsoft.com/office/drawing/2014/main" id="{5CC148BB-E769-4BAD-A4DE-06AA55B95426}"/>
                 </a:ext>
               </a:extLst>
             </p:cNvPr>
@@ -3259,8 +3257,8 @@
           </p:blipFill>
           <p:spPr>
             <a:xfrm>
-              <a:off x="-45532" y="5201278"/>
-              <a:ext cx="9144000" cy="831273"/>
+              <a:off x="0" y="2389516"/>
+              <a:ext cx="9144000" cy="762000"/>
             </a:xfrm>
             <a:prstGeom prst="rect">
               <a:avLst/>
@@ -3300,10 +3298,10 @@
       </p:grpSpPr>
       <p:grpSp>
         <p:nvGrpSpPr>
-          <p:cNvPr id="2" name="组合 1">
+          <p:cNvPr id="98" name="组合 97">
             <a:extLst>
               <a:ext uri="{FF2B5EF4-FFF2-40B4-BE49-F238E27FC236}">
-                <a16:creationId xmlns:a16="http://schemas.microsoft.com/office/drawing/2014/main" id="{2AC147C9-1997-4081-9E6C-DE3766517965}"/>
+                <a16:creationId xmlns:a16="http://schemas.microsoft.com/office/drawing/2014/main" id="{84BC9FB8-C77A-4BF6-B003-E2080F6323C5}"/>
               </a:ext>
             </a:extLst>
           </p:cNvPr>
@@ -3312,207 +3310,736 @@
         </p:nvGrpSpPr>
         <p:grpSpPr>
           <a:xfrm>
-            <a:off x="115494" y="345913"/>
-            <a:ext cx="8775464" cy="3988849"/>
-            <a:chOff x="115494" y="345913"/>
-            <a:chExt cx="8775464" cy="3988849"/>
+            <a:off x="0" y="668654"/>
+            <a:ext cx="9162113" cy="5726395"/>
+            <a:chOff x="0" y="668654"/>
+            <a:chExt cx="9162113" cy="5726395"/>
           </a:xfrm>
         </p:grpSpPr>
-        <p:pic>
-          <p:nvPicPr>
-            <p:cNvPr id="5" name="图形 4">
+        <p:grpSp>
+          <p:nvGrpSpPr>
+            <p:cNvPr id="78" name="组合 77">
               <a:extLst>
                 <a:ext uri="{FF2B5EF4-FFF2-40B4-BE49-F238E27FC236}">
-                  <a16:creationId xmlns:a16="http://schemas.microsoft.com/office/drawing/2014/main" id="{9F6EE218-1478-413E-B65A-C5331455DA48}"/>
+                  <a16:creationId xmlns:a16="http://schemas.microsoft.com/office/drawing/2014/main" id="{5982A874-6FA1-45FA-8CF7-FBA677513D4C}"/>
                 </a:ext>
               </a:extLst>
             </p:cNvPr>
-            <p:cNvPicPr>
-              <a:picLocks noChangeAspect="1"/>
-            </p:cNvPicPr>
+            <p:cNvGrpSpPr/>
             <p:nvPr/>
-          </p:nvPicPr>
-          <p:blipFill>
-            <a:blip r:embed="rId2">
+          </p:nvGrpSpPr>
+          <p:grpSpPr>
+            <a:xfrm>
+              <a:off x="0" y="776376"/>
+              <a:ext cx="9144000" cy="5618673"/>
+              <a:chOff x="0" y="776376"/>
+              <a:chExt cx="9144000" cy="5618673"/>
+            </a:xfrm>
+          </p:grpSpPr>
+          <p:pic>
+            <p:nvPicPr>
+              <p:cNvPr id="65" name="图形 64">
+                <a:extLst>
+                  <a:ext uri="{FF2B5EF4-FFF2-40B4-BE49-F238E27FC236}">
+                    <a16:creationId xmlns:a16="http://schemas.microsoft.com/office/drawing/2014/main" id="{CF03CCC5-E891-4BDA-9BA8-505425D39534}"/>
+                  </a:ext>
+                </a:extLst>
+              </p:cNvPr>
+              <p:cNvPicPr>
+                <a:picLocks noChangeAspect="1"/>
+              </p:cNvPicPr>
+              <p:nvPr/>
+            </p:nvPicPr>
+            <p:blipFill>
+              <a:blip r:embed="rId2">
+                <a:extLst>
+                  <a:ext uri="{28A0092B-C50C-407E-A947-70E740481C1C}">
+                    <a14:useLocalDpi xmlns:a14="http://schemas.microsoft.com/office/drawing/2010/main" val="0"/>
+                  </a:ext>
+                  <a:ext uri="{96DAC541-7B7A-43D3-8B79-37D633B846F1}">
+                    <asvg:svgBlip xmlns:asvg="http://schemas.microsoft.com/office/drawing/2016/SVG/main" r:embed="rId3"/>
+                  </a:ext>
+                </a:extLst>
+              </a:blip>
+              <a:stretch>
+                <a:fillRect/>
+              </a:stretch>
+            </p:blipFill>
+            <p:spPr>
+              <a:xfrm>
+                <a:off x="0" y="3196086"/>
+                <a:ext cx="9144000" cy="762000"/>
+              </a:xfrm>
+              <a:prstGeom prst="rect">
+                <a:avLst/>
+              </a:prstGeom>
+            </p:spPr>
+          </p:pic>
+          <p:pic>
+            <p:nvPicPr>
+              <p:cNvPr id="67" name="图形 66">
+                <a:extLst>
+                  <a:ext uri="{FF2B5EF4-FFF2-40B4-BE49-F238E27FC236}">
+                    <a16:creationId xmlns:a16="http://schemas.microsoft.com/office/drawing/2014/main" id="{83473533-BAAA-4C42-916A-34FFF7FED14B}"/>
+                  </a:ext>
+                </a:extLst>
+              </p:cNvPr>
+              <p:cNvPicPr>
+                <a:picLocks noChangeAspect="1"/>
+              </p:cNvPicPr>
+              <p:nvPr/>
+            </p:nvPicPr>
+            <p:blipFill>
+              <a:blip r:embed="rId4">
+                <a:extLst>
+                  <a:ext uri="{28A0092B-C50C-407E-A947-70E740481C1C}">
+                    <a14:useLocalDpi xmlns:a14="http://schemas.microsoft.com/office/drawing/2010/main" val="0"/>
+                  </a:ext>
+                  <a:ext uri="{96DAC541-7B7A-43D3-8B79-37D633B846F1}">
+                    <asvg:svgBlip xmlns:asvg="http://schemas.microsoft.com/office/drawing/2016/SVG/main" r:embed="rId5"/>
+                  </a:ext>
+                </a:extLst>
+              </a:blip>
+              <a:stretch>
+                <a:fillRect/>
+              </a:stretch>
+            </p:blipFill>
+            <p:spPr>
+              <a:xfrm>
+                <a:off x="0" y="4008407"/>
+                <a:ext cx="9144000" cy="762000"/>
+              </a:xfrm>
+              <a:prstGeom prst="rect">
+                <a:avLst/>
+              </a:prstGeom>
+            </p:spPr>
+          </p:pic>
+          <p:pic>
+            <p:nvPicPr>
+              <p:cNvPr id="69" name="图形 68">
+                <a:extLst>
+                  <a:ext uri="{FF2B5EF4-FFF2-40B4-BE49-F238E27FC236}">
+                    <a16:creationId xmlns:a16="http://schemas.microsoft.com/office/drawing/2014/main" id="{5B9D838D-42B9-44CF-B64B-E745CFF9B452}"/>
+                  </a:ext>
+                </a:extLst>
+              </p:cNvPr>
+              <p:cNvPicPr>
+                <a:picLocks noChangeAspect="1"/>
+              </p:cNvPicPr>
+              <p:nvPr/>
+            </p:nvPicPr>
+            <p:blipFill>
+              <a:blip r:embed="rId6">
+                <a:extLst>
+                  <a:ext uri="{28A0092B-C50C-407E-A947-70E740481C1C}">
+                    <a14:useLocalDpi xmlns:a14="http://schemas.microsoft.com/office/drawing/2010/main" val="0"/>
+                  </a:ext>
+                  <a:ext uri="{96DAC541-7B7A-43D3-8B79-37D633B846F1}">
+                    <asvg:svgBlip xmlns:asvg="http://schemas.microsoft.com/office/drawing/2016/SVG/main" r:embed="rId7"/>
+                  </a:ext>
+                </a:extLst>
+              </a:blip>
+              <a:stretch>
+                <a:fillRect/>
+              </a:stretch>
+            </p:blipFill>
+            <p:spPr>
+              <a:xfrm>
+                <a:off x="0" y="5633049"/>
+                <a:ext cx="9144000" cy="762000"/>
+              </a:xfrm>
+              <a:prstGeom prst="rect">
+                <a:avLst/>
+              </a:prstGeom>
+            </p:spPr>
+          </p:pic>
+          <p:pic>
+            <p:nvPicPr>
+              <p:cNvPr id="71" name="图形 70">
+                <a:extLst>
+                  <a:ext uri="{FF2B5EF4-FFF2-40B4-BE49-F238E27FC236}">
+                    <a16:creationId xmlns:a16="http://schemas.microsoft.com/office/drawing/2014/main" id="{15EF7BA2-0155-49E1-8B12-32280A0B59A3}"/>
+                  </a:ext>
+                </a:extLst>
+              </p:cNvPr>
+              <p:cNvPicPr>
+                <a:picLocks noChangeAspect="1"/>
+              </p:cNvPicPr>
+              <p:nvPr/>
+            </p:nvPicPr>
+            <p:blipFill>
+              <a:blip r:embed="rId8">
+                <a:extLst>
+                  <a:ext uri="{28A0092B-C50C-407E-A947-70E740481C1C}">
+                    <a14:useLocalDpi xmlns:a14="http://schemas.microsoft.com/office/drawing/2010/main" val="0"/>
+                  </a:ext>
+                  <a:ext uri="{96DAC541-7B7A-43D3-8B79-37D633B846F1}">
+                    <asvg:svgBlip xmlns:asvg="http://schemas.microsoft.com/office/drawing/2016/SVG/main" r:embed="rId9"/>
+                  </a:ext>
+                </a:extLst>
+              </a:blip>
+              <a:stretch>
+                <a:fillRect/>
+              </a:stretch>
+            </p:blipFill>
+            <p:spPr>
+              <a:xfrm>
+                <a:off x="0" y="4820728"/>
+                <a:ext cx="9144000" cy="762000"/>
+              </a:xfrm>
+              <a:prstGeom prst="rect">
+                <a:avLst/>
+              </a:prstGeom>
+            </p:spPr>
+          </p:pic>
+          <p:pic>
+            <p:nvPicPr>
+              <p:cNvPr id="73" name="图形 72">
+                <a:extLst>
+                  <a:ext uri="{FF2B5EF4-FFF2-40B4-BE49-F238E27FC236}">
+                    <a16:creationId xmlns:a16="http://schemas.microsoft.com/office/drawing/2014/main" id="{EDE0DFD4-A413-4524-8CF6-360B85A0429B}"/>
+                  </a:ext>
+                </a:extLst>
+              </p:cNvPr>
+              <p:cNvPicPr>
+                <a:picLocks noChangeAspect="1"/>
+              </p:cNvPicPr>
+              <p:nvPr/>
+            </p:nvPicPr>
+            <p:blipFill>
+              <a:blip r:embed="rId10">
+                <a:extLst>
+                  <a:ext uri="{28A0092B-C50C-407E-A947-70E740481C1C}">
+                    <a14:useLocalDpi xmlns:a14="http://schemas.microsoft.com/office/drawing/2010/main" val="0"/>
+                  </a:ext>
+                  <a:ext uri="{96DAC541-7B7A-43D3-8B79-37D633B846F1}">
+                    <asvg:svgBlip xmlns:asvg="http://schemas.microsoft.com/office/drawing/2016/SVG/main" r:embed="rId11"/>
+                  </a:ext>
+                </a:extLst>
+              </a:blip>
+              <a:stretch>
+                <a:fillRect/>
+              </a:stretch>
+            </p:blipFill>
+            <p:spPr>
+              <a:xfrm>
+                <a:off x="0" y="776376"/>
+                <a:ext cx="9144000" cy="762000"/>
+              </a:xfrm>
+              <a:prstGeom prst="rect">
+                <a:avLst/>
+              </a:prstGeom>
+            </p:spPr>
+          </p:pic>
+          <p:pic>
+            <p:nvPicPr>
+              <p:cNvPr id="75" name="图形 74">
+                <a:extLst>
+                  <a:ext uri="{FF2B5EF4-FFF2-40B4-BE49-F238E27FC236}">
+                    <a16:creationId xmlns:a16="http://schemas.microsoft.com/office/drawing/2014/main" id="{AB46FDEA-8940-4F40-9AB6-9EBE001672A5}"/>
+                  </a:ext>
+                </a:extLst>
+              </p:cNvPr>
+              <p:cNvPicPr>
+                <a:picLocks noChangeAspect="1"/>
+              </p:cNvPicPr>
+              <p:nvPr/>
+            </p:nvPicPr>
+            <p:blipFill>
+              <a:blip r:embed="rId12">
+                <a:extLst>
+                  <a:ext uri="{28A0092B-C50C-407E-A947-70E740481C1C}">
+                    <a14:useLocalDpi xmlns:a14="http://schemas.microsoft.com/office/drawing/2010/main" val="0"/>
+                  </a:ext>
+                  <a:ext uri="{96DAC541-7B7A-43D3-8B79-37D633B846F1}">
+                    <asvg:svgBlip xmlns:asvg="http://schemas.microsoft.com/office/drawing/2016/SVG/main" r:embed="rId13"/>
+                  </a:ext>
+                </a:extLst>
+              </a:blip>
+              <a:stretch>
+                <a:fillRect/>
+              </a:stretch>
+            </p:blipFill>
+            <p:spPr>
+              <a:xfrm>
+                <a:off x="0" y="1582946"/>
+                <a:ext cx="9144000" cy="762000"/>
+              </a:xfrm>
+              <a:prstGeom prst="rect">
+                <a:avLst/>
+              </a:prstGeom>
+            </p:spPr>
+          </p:pic>
+          <p:pic>
+            <p:nvPicPr>
+              <p:cNvPr id="77" name="图形 76">
+                <a:extLst>
+                  <a:ext uri="{FF2B5EF4-FFF2-40B4-BE49-F238E27FC236}">
+                    <a16:creationId xmlns:a16="http://schemas.microsoft.com/office/drawing/2014/main" id="{92CBC9F7-445F-4FAF-BE51-ED787DF52E4C}"/>
+                  </a:ext>
+                </a:extLst>
+              </p:cNvPr>
+              <p:cNvPicPr>
+                <a:picLocks noChangeAspect="1"/>
+              </p:cNvPicPr>
+              <p:nvPr/>
+            </p:nvPicPr>
+            <p:blipFill>
+              <a:blip r:embed="rId14">
+                <a:extLst>
+                  <a:ext uri="{28A0092B-C50C-407E-A947-70E740481C1C}">
+                    <a14:useLocalDpi xmlns:a14="http://schemas.microsoft.com/office/drawing/2010/main" val="0"/>
+                  </a:ext>
+                  <a:ext uri="{96DAC541-7B7A-43D3-8B79-37D633B846F1}">
+                    <asvg:svgBlip xmlns:asvg="http://schemas.microsoft.com/office/drawing/2016/SVG/main" r:embed="rId15"/>
+                  </a:ext>
+                </a:extLst>
+              </a:blip>
+              <a:stretch>
+                <a:fillRect/>
+              </a:stretch>
+            </p:blipFill>
+            <p:spPr>
+              <a:xfrm>
+                <a:off x="0" y="2389516"/>
+                <a:ext cx="9144000" cy="762000"/>
+              </a:xfrm>
+              <a:prstGeom prst="rect">
+                <a:avLst/>
+              </a:prstGeom>
+            </p:spPr>
+          </p:pic>
+        </p:grpSp>
+        <p:sp>
+          <p:nvSpPr>
+            <p:cNvPr id="79" name="文本框 78">
               <a:extLst>
-                <a:ext uri="{28A0092B-C50C-407E-A947-70E740481C1C}">
-                  <a14:useLocalDpi xmlns:a14="http://schemas.microsoft.com/office/drawing/2010/main" val="0"/>
-                </a:ext>
-                <a:ext uri="{96DAC541-7B7A-43D3-8B79-37D633B846F1}">
-                  <asvg:svgBlip xmlns:asvg="http://schemas.microsoft.com/office/drawing/2016/SVG/main" r:embed="rId3"/>
+                <a:ext uri="{FF2B5EF4-FFF2-40B4-BE49-F238E27FC236}">
+                  <a16:creationId xmlns:a16="http://schemas.microsoft.com/office/drawing/2014/main" id="{AA12AF83-D1C4-4095-9575-7EA6E90AB7CA}"/>
                 </a:ext>
               </a:extLst>
-            </a:blip>
-            <a:stretch>
-              <a:fillRect/>
-            </a:stretch>
-          </p:blipFill>
+            </p:cNvPr>
+            <p:cNvSpPr txBox="1"/>
+            <p:nvPr/>
+          </p:nvSpPr>
           <p:spPr>
             <a:xfrm>
-              <a:off x="115494" y="345913"/>
-              <a:ext cx="8775464" cy="797770"/>
+              <a:off x="0" y="668654"/>
+              <a:ext cx="713657" cy="215444"/>
             </a:xfrm>
             <a:prstGeom prst="rect">
               <a:avLst/>
             </a:prstGeom>
+            <a:noFill/>
           </p:spPr>
-        </p:pic>
-        <p:pic>
-          <p:nvPicPr>
-            <p:cNvPr id="8" name="图形 7">
+          <p:txBody>
+            <a:bodyPr wrap="none" rtlCol="0">
+              <a:spAutoFit/>
+            </a:bodyPr>
+            <a:lstStyle/>
+            <a:p>
+              <a:pPr algn="ctr"/>
+              <a:r>
+                <a:rPr lang="en-US" altLang="zh-CN" sz="800" dirty="0">
+                  <a:latin typeface="Arial" panose="020B0604020202020204" pitchFamily="34" charset="0"/>
+                  <a:cs typeface="Arial" panose="020B0604020202020204" pitchFamily="34" charset="0"/>
+                </a:rPr>
+                <a:t>Forehead 1</a:t>
+              </a:r>
+              <a:endParaRPr lang="zh-CN" altLang="en-US" sz="800" dirty="0">
+                <a:latin typeface="Arial" panose="020B0604020202020204" pitchFamily="34" charset="0"/>
+                <a:cs typeface="Arial" panose="020B0604020202020204" pitchFamily="34" charset="0"/>
+              </a:endParaRPr>
+            </a:p>
+          </p:txBody>
+        </p:sp>
+        <p:sp>
+          <p:nvSpPr>
+            <p:cNvPr id="81" name="文本框 80">
               <a:extLst>
                 <a:ext uri="{FF2B5EF4-FFF2-40B4-BE49-F238E27FC236}">
-                  <a16:creationId xmlns:a16="http://schemas.microsoft.com/office/drawing/2014/main" id="{2D4EA444-C545-45EF-97F0-269D550267A3}"/>
+                  <a16:creationId xmlns:a16="http://schemas.microsoft.com/office/drawing/2014/main" id="{8A4E69D9-CBBB-46F6-8676-8769C8063D16}"/>
                 </a:ext>
               </a:extLst>
             </p:cNvPr>
-            <p:cNvPicPr>
-              <a:picLocks noChangeAspect="1"/>
-            </p:cNvPicPr>
+            <p:cNvSpPr txBox="1"/>
             <p:nvPr/>
-          </p:nvPicPr>
-          <p:blipFill>
-            <a:blip r:embed="rId4">
-              <a:extLst>
-                <a:ext uri="{28A0092B-C50C-407E-A947-70E740481C1C}">
-                  <a14:useLocalDpi xmlns:a14="http://schemas.microsoft.com/office/drawing/2010/main" val="0"/>
-                </a:ext>
-                <a:ext uri="{96DAC541-7B7A-43D3-8B79-37D633B846F1}">
-                  <asvg:svgBlip xmlns:asvg="http://schemas.microsoft.com/office/drawing/2016/SVG/main" r:embed="rId5"/>
-                </a:ext>
-              </a:extLst>
-            </a:blip>
-            <a:stretch>
-              <a:fillRect/>
-            </a:stretch>
-          </p:blipFill>
+          </p:nvSpPr>
           <p:spPr>
             <a:xfrm>
-              <a:off x="115494" y="1143683"/>
-              <a:ext cx="8775464" cy="797770"/>
+              <a:off x="741432" y="668654"/>
+              <a:ext cx="713657" cy="215444"/>
             </a:xfrm>
             <a:prstGeom prst="rect">
               <a:avLst/>
             </a:prstGeom>
+            <a:noFill/>
           </p:spPr>
-        </p:pic>
-        <p:pic>
-          <p:nvPicPr>
-            <p:cNvPr id="12" name="图形 11">
+          <p:txBody>
+            <a:bodyPr wrap="none" rtlCol="0">
+              <a:spAutoFit/>
+            </a:bodyPr>
+            <a:lstStyle/>
+            <a:p>
+              <a:pPr algn="ctr"/>
+              <a:r>
+                <a:rPr lang="en-US" altLang="zh-CN" sz="800" dirty="0">
+                  <a:latin typeface="Arial" panose="020B0604020202020204" pitchFamily="34" charset="0"/>
+                  <a:cs typeface="Arial" panose="020B0604020202020204" pitchFamily="34" charset="0"/>
+                </a:rPr>
+                <a:t>Forehead 2</a:t>
+              </a:r>
+              <a:endParaRPr lang="zh-CN" altLang="en-US" sz="800" dirty="0">
+                <a:latin typeface="Arial" panose="020B0604020202020204" pitchFamily="34" charset="0"/>
+                <a:cs typeface="Arial" panose="020B0604020202020204" pitchFamily="34" charset="0"/>
+              </a:endParaRPr>
+            </a:p>
+          </p:txBody>
+        </p:sp>
+        <p:sp>
+          <p:nvSpPr>
+            <p:cNvPr id="83" name="文本框 82">
               <a:extLst>
                 <a:ext uri="{FF2B5EF4-FFF2-40B4-BE49-F238E27FC236}">
-                  <a16:creationId xmlns:a16="http://schemas.microsoft.com/office/drawing/2014/main" id="{47322713-B092-47AD-8290-81785543F152}"/>
+                  <a16:creationId xmlns:a16="http://schemas.microsoft.com/office/drawing/2014/main" id="{32D4A504-49A7-4B83-AB9D-2FE5AF245FE4}"/>
                 </a:ext>
               </a:extLst>
             </p:cNvPr>
-            <p:cNvPicPr>
-              <a:picLocks noChangeAspect="1"/>
-            </p:cNvPicPr>
+            <p:cNvSpPr txBox="1"/>
             <p:nvPr/>
-          </p:nvPicPr>
-          <p:blipFill>
-            <a:blip r:embed="rId6">
-              <a:extLst>
-                <a:ext uri="{28A0092B-C50C-407E-A947-70E740481C1C}">
-                  <a14:useLocalDpi xmlns:a14="http://schemas.microsoft.com/office/drawing/2010/main" val="0"/>
-                </a:ext>
-                <a:ext uri="{96DAC541-7B7A-43D3-8B79-37D633B846F1}">
-                  <asvg:svgBlip xmlns:asvg="http://schemas.microsoft.com/office/drawing/2016/SVG/main" r:embed="rId7"/>
-                </a:ext>
-              </a:extLst>
-            </a:blip>
-            <a:stretch>
-              <a:fillRect/>
-            </a:stretch>
-          </p:blipFill>
+          </p:nvSpPr>
           <p:spPr>
             <a:xfrm>
-              <a:off x="115494" y="1941452"/>
-              <a:ext cx="8775464" cy="797770"/>
+              <a:off x="1600648" y="668654"/>
+              <a:ext cx="558165" cy="215444"/>
             </a:xfrm>
             <a:prstGeom prst="rect">
               <a:avLst/>
             </a:prstGeom>
+            <a:noFill/>
           </p:spPr>
-        </p:pic>
-        <p:pic>
-          <p:nvPicPr>
-            <p:cNvPr id="16" name="图形 15">
+          <p:txBody>
+            <a:bodyPr wrap="none" rtlCol="0">
+              <a:spAutoFit/>
+            </a:bodyPr>
+            <a:lstStyle/>
+            <a:p>
+              <a:pPr algn="ctr"/>
+              <a:r>
+                <a:rPr lang="en-US" altLang="zh-CN" sz="800" dirty="0">
+                  <a:latin typeface="Arial" panose="020B0604020202020204" pitchFamily="34" charset="0"/>
+                  <a:cs typeface="Arial" panose="020B0604020202020204" pitchFamily="34" charset="0"/>
+                </a:rPr>
+                <a:t>Mouth 1</a:t>
+              </a:r>
+              <a:endParaRPr lang="zh-CN" altLang="en-US" sz="800" dirty="0">
+                <a:latin typeface="Arial" panose="020B0604020202020204" pitchFamily="34" charset="0"/>
+                <a:cs typeface="Arial" panose="020B0604020202020204" pitchFamily="34" charset="0"/>
+              </a:endParaRPr>
+            </a:p>
+          </p:txBody>
+        </p:sp>
+        <p:sp>
+          <p:nvSpPr>
+            <p:cNvPr id="85" name="文本框 84">
               <a:extLst>
                 <a:ext uri="{FF2B5EF4-FFF2-40B4-BE49-F238E27FC236}">
-                  <a16:creationId xmlns:a16="http://schemas.microsoft.com/office/drawing/2014/main" id="{67EE8BEA-AA50-4978-982C-74BBC2620604}"/>
+                  <a16:creationId xmlns:a16="http://schemas.microsoft.com/office/drawing/2014/main" id="{C2A707FE-52CF-4C13-97A0-9398DE116DA1}"/>
                 </a:ext>
               </a:extLst>
             </p:cNvPr>
-            <p:cNvPicPr>
-              <a:picLocks noChangeAspect="1"/>
-            </p:cNvPicPr>
+            <p:cNvSpPr txBox="1"/>
             <p:nvPr/>
-          </p:nvPicPr>
-          <p:blipFill>
-            <a:blip r:embed="rId8">
-              <a:extLst>
-                <a:ext uri="{28A0092B-C50C-407E-A947-70E740481C1C}">
-                  <a14:useLocalDpi xmlns:a14="http://schemas.microsoft.com/office/drawing/2010/main" val="0"/>
-                </a:ext>
-                <a:ext uri="{96DAC541-7B7A-43D3-8B79-37D633B846F1}">
-                  <asvg:svgBlip xmlns:asvg="http://schemas.microsoft.com/office/drawing/2016/SVG/main" r:embed="rId9"/>
-                </a:ext>
-              </a:extLst>
-            </a:blip>
-            <a:stretch>
-              <a:fillRect/>
-            </a:stretch>
-          </p:blipFill>
+          </p:nvSpPr>
           <p:spPr>
             <a:xfrm>
-              <a:off x="115494" y="2739222"/>
-              <a:ext cx="8775464" cy="797770"/>
+              <a:off x="2382117" y="668654"/>
+              <a:ext cx="558165" cy="215444"/>
             </a:xfrm>
             <a:prstGeom prst="rect">
               <a:avLst/>
             </a:prstGeom>
+            <a:noFill/>
           </p:spPr>
-        </p:pic>
-        <p:pic>
-          <p:nvPicPr>
-            <p:cNvPr id="21" name="图形 20">
+          <p:txBody>
+            <a:bodyPr wrap="none" rtlCol="0">
+              <a:spAutoFit/>
+            </a:bodyPr>
+            <a:lstStyle/>
+            <a:p>
+              <a:pPr algn="ctr"/>
+              <a:r>
+                <a:rPr lang="en-US" altLang="zh-CN" sz="800" dirty="0">
+                  <a:latin typeface="Arial" panose="020B0604020202020204" pitchFamily="34" charset="0"/>
+                  <a:cs typeface="Arial" panose="020B0604020202020204" pitchFamily="34" charset="0"/>
+                </a:rPr>
+                <a:t>Mouth 2</a:t>
+              </a:r>
+              <a:endParaRPr lang="zh-CN" altLang="en-US" sz="800" dirty="0">
+                <a:latin typeface="Arial" panose="020B0604020202020204" pitchFamily="34" charset="0"/>
+                <a:cs typeface="Arial" panose="020B0604020202020204" pitchFamily="34" charset="0"/>
+              </a:endParaRPr>
+            </a:p>
+          </p:txBody>
+        </p:sp>
+        <p:sp>
+          <p:nvSpPr>
+            <p:cNvPr id="87" name="文本框 86">
               <a:extLst>
                 <a:ext uri="{FF2B5EF4-FFF2-40B4-BE49-F238E27FC236}">
-                  <a16:creationId xmlns:a16="http://schemas.microsoft.com/office/drawing/2014/main" id="{B70D38AC-4FD7-4C77-A8C5-A5FC8FCCFDD6}"/>
+                  <a16:creationId xmlns:a16="http://schemas.microsoft.com/office/drawing/2014/main" id="{D271791A-812F-4995-B913-8908DCA5F4D1}"/>
                 </a:ext>
               </a:extLst>
             </p:cNvPr>
-            <p:cNvPicPr>
-              <a:picLocks noChangeAspect="1"/>
-            </p:cNvPicPr>
+            <p:cNvSpPr txBox="1"/>
             <p:nvPr/>
-          </p:nvPicPr>
-          <p:blipFill>
-            <a:blip r:embed="rId10">
-              <a:extLst>
-                <a:ext uri="{28A0092B-C50C-407E-A947-70E740481C1C}">
-                  <a14:useLocalDpi xmlns:a14="http://schemas.microsoft.com/office/drawing/2010/main" val="0"/>
-                </a:ext>
-                <a:ext uri="{96DAC541-7B7A-43D3-8B79-37D633B846F1}">
-                  <asvg:svgBlip xmlns:asvg="http://schemas.microsoft.com/office/drawing/2016/SVG/main" r:embed="rId11"/>
-                </a:ext>
-              </a:extLst>
-            </a:blip>
-            <a:stretch>
-              <a:fillRect/>
-            </a:stretch>
-          </p:blipFill>
+          </p:nvSpPr>
           <p:spPr>
             <a:xfrm>
-              <a:off x="115494" y="3536992"/>
-              <a:ext cx="8775464" cy="797770"/>
+              <a:off x="3189233" y="668654"/>
+              <a:ext cx="506869" cy="215444"/>
             </a:xfrm>
             <a:prstGeom prst="rect">
               <a:avLst/>
             </a:prstGeom>
+            <a:noFill/>
           </p:spPr>
-        </p:pic>
+          <p:txBody>
+            <a:bodyPr wrap="none" rtlCol="0">
+              <a:spAutoFit/>
+            </a:bodyPr>
+            <a:lstStyle/>
+            <a:p>
+              <a:pPr algn="ctr"/>
+              <a:r>
+                <a:rPr lang="en-US" altLang="zh-CN" sz="800" dirty="0">
+                  <a:latin typeface="Arial" panose="020B0604020202020204" pitchFamily="34" charset="0"/>
+                  <a:cs typeface="Arial" panose="020B0604020202020204" pitchFamily="34" charset="0"/>
+                </a:rPr>
+                <a:t>Stool 1</a:t>
+              </a:r>
+              <a:endParaRPr lang="zh-CN" altLang="en-US" sz="800" dirty="0">
+                <a:latin typeface="Arial" panose="020B0604020202020204" pitchFamily="34" charset="0"/>
+                <a:cs typeface="Arial" panose="020B0604020202020204" pitchFamily="34" charset="0"/>
+              </a:endParaRPr>
+            </a:p>
+          </p:txBody>
+        </p:sp>
+        <p:sp>
+          <p:nvSpPr>
+            <p:cNvPr id="89" name="文本框 88">
+              <a:extLst>
+                <a:ext uri="{FF2B5EF4-FFF2-40B4-BE49-F238E27FC236}">
+                  <a16:creationId xmlns:a16="http://schemas.microsoft.com/office/drawing/2014/main" id="{2819ABB8-BE11-42F3-B164-47DBF0A6F820}"/>
+                </a:ext>
+              </a:extLst>
+            </p:cNvPr>
+            <p:cNvSpPr txBox="1"/>
+            <p:nvPr/>
+          </p:nvSpPr>
+          <p:spPr>
+            <a:xfrm>
+              <a:off x="5437157" y="668654"/>
+              <a:ext cx="506869" cy="215444"/>
+            </a:xfrm>
+            <a:prstGeom prst="rect">
+              <a:avLst/>
+            </a:prstGeom>
+            <a:noFill/>
+          </p:spPr>
+          <p:txBody>
+            <a:bodyPr wrap="none" rtlCol="0">
+              <a:spAutoFit/>
+            </a:bodyPr>
+            <a:lstStyle/>
+            <a:p>
+              <a:pPr algn="ctr"/>
+              <a:r>
+                <a:rPr lang="en-US" altLang="zh-CN" sz="800" dirty="0">
+                  <a:latin typeface="Arial" panose="020B0604020202020204" pitchFamily="34" charset="0"/>
+                  <a:cs typeface="Arial" panose="020B0604020202020204" pitchFamily="34" charset="0"/>
+                </a:rPr>
+                <a:t>Stool 2</a:t>
+              </a:r>
+              <a:endParaRPr lang="zh-CN" altLang="en-US" sz="800" dirty="0">
+                <a:latin typeface="Arial" panose="020B0604020202020204" pitchFamily="34" charset="0"/>
+                <a:cs typeface="Arial" panose="020B0604020202020204" pitchFamily="34" charset="0"/>
+              </a:endParaRPr>
+            </a:p>
+          </p:txBody>
+        </p:sp>
+        <p:sp>
+          <p:nvSpPr>
+            <p:cNvPr id="91" name="文本框 90">
+              <a:extLst>
+                <a:ext uri="{FF2B5EF4-FFF2-40B4-BE49-F238E27FC236}">
+                  <a16:creationId xmlns:a16="http://schemas.microsoft.com/office/drawing/2014/main" id="{ADBEF0E2-2809-4CF2-98C3-F34F8FFA4AA8}"/>
+                </a:ext>
+              </a:extLst>
+            </p:cNvPr>
+            <p:cNvSpPr txBox="1"/>
+            <p:nvPr/>
+          </p:nvSpPr>
+          <p:spPr>
+            <a:xfrm>
+              <a:off x="6080004" y="668654"/>
+              <a:ext cx="704039" cy="215444"/>
+            </a:xfrm>
+            <a:prstGeom prst="rect">
+              <a:avLst/>
+            </a:prstGeom>
+            <a:noFill/>
+          </p:spPr>
+          <p:txBody>
+            <a:bodyPr wrap="none" rtlCol="0">
+              <a:spAutoFit/>
+            </a:bodyPr>
+            <a:lstStyle/>
+            <a:p>
+              <a:pPr algn="ctr"/>
+              <a:r>
+                <a:rPr lang="en-US" altLang="zh-CN" sz="800" dirty="0">
+                  <a:latin typeface="Arial" panose="020B0604020202020204" pitchFamily="34" charset="0"/>
+                  <a:cs typeface="Arial" panose="020B0604020202020204" pitchFamily="34" charset="0"/>
+                </a:rPr>
+                <a:t>Left hand 1</a:t>
+              </a:r>
+              <a:endParaRPr lang="zh-CN" altLang="en-US" sz="800" dirty="0">
+                <a:latin typeface="Arial" panose="020B0604020202020204" pitchFamily="34" charset="0"/>
+                <a:cs typeface="Arial" panose="020B0604020202020204" pitchFamily="34" charset="0"/>
+              </a:endParaRPr>
+            </a:p>
+          </p:txBody>
+        </p:sp>
+        <p:sp>
+          <p:nvSpPr>
+            <p:cNvPr id="93" name="文本框 92">
+              <a:extLst>
+                <a:ext uri="{FF2B5EF4-FFF2-40B4-BE49-F238E27FC236}">
+                  <a16:creationId xmlns:a16="http://schemas.microsoft.com/office/drawing/2014/main" id="{407890A1-933D-4005-B6DB-5A99F0CA7F77}"/>
+                </a:ext>
+              </a:extLst>
+            </p:cNvPr>
+            <p:cNvSpPr txBox="1"/>
+            <p:nvPr/>
+          </p:nvSpPr>
+          <p:spPr>
+            <a:xfrm>
+              <a:off x="6861473" y="668654"/>
+              <a:ext cx="704039" cy="215444"/>
+            </a:xfrm>
+            <a:prstGeom prst="rect">
+              <a:avLst/>
+            </a:prstGeom>
+            <a:noFill/>
+          </p:spPr>
+          <p:txBody>
+            <a:bodyPr wrap="none" rtlCol="0">
+              <a:spAutoFit/>
+            </a:bodyPr>
+            <a:lstStyle/>
+            <a:p>
+              <a:pPr algn="ctr"/>
+              <a:r>
+                <a:rPr lang="en-US" altLang="zh-CN" sz="800" dirty="0">
+                  <a:latin typeface="Arial" panose="020B0604020202020204" pitchFamily="34" charset="0"/>
+                  <a:cs typeface="Arial" panose="020B0604020202020204" pitchFamily="34" charset="0"/>
+                </a:rPr>
+                <a:t>Left hand 2</a:t>
+              </a:r>
+              <a:endParaRPr lang="zh-CN" altLang="en-US" sz="800" dirty="0">
+                <a:latin typeface="Arial" panose="020B0604020202020204" pitchFamily="34" charset="0"/>
+                <a:cs typeface="Arial" panose="020B0604020202020204" pitchFamily="34" charset="0"/>
+              </a:endParaRPr>
+            </a:p>
+          </p:txBody>
+        </p:sp>
+        <p:sp>
+          <p:nvSpPr>
+            <p:cNvPr id="95" name="文本框 94">
+              <a:extLst>
+                <a:ext uri="{FF2B5EF4-FFF2-40B4-BE49-F238E27FC236}">
+                  <a16:creationId xmlns:a16="http://schemas.microsoft.com/office/drawing/2014/main" id="{045C2A7A-25E0-405A-9AE0-89EDBF7A2908}"/>
+                </a:ext>
+              </a:extLst>
+            </p:cNvPr>
+            <p:cNvSpPr txBox="1"/>
+            <p:nvPr/>
+          </p:nvSpPr>
+          <p:spPr>
+            <a:xfrm>
+              <a:off x="7609279" y="668654"/>
+              <a:ext cx="771365" cy="215444"/>
+            </a:xfrm>
+            <a:prstGeom prst="rect">
+              <a:avLst/>
+            </a:prstGeom>
+            <a:noFill/>
+          </p:spPr>
+          <p:txBody>
+            <a:bodyPr wrap="none" rtlCol="0">
+              <a:spAutoFit/>
+            </a:bodyPr>
+            <a:lstStyle/>
+            <a:p>
+              <a:pPr algn="ctr"/>
+              <a:r>
+                <a:rPr lang="en-US" altLang="zh-CN" sz="800" dirty="0">
+                  <a:latin typeface="Arial" panose="020B0604020202020204" pitchFamily="34" charset="0"/>
+                  <a:cs typeface="Arial" panose="020B0604020202020204" pitchFamily="34" charset="0"/>
+                </a:rPr>
+                <a:t>Right hand 1</a:t>
+              </a:r>
+              <a:endParaRPr lang="zh-CN" altLang="en-US" sz="800" dirty="0">
+                <a:latin typeface="Arial" panose="020B0604020202020204" pitchFamily="34" charset="0"/>
+                <a:cs typeface="Arial" panose="020B0604020202020204" pitchFamily="34" charset="0"/>
+              </a:endParaRPr>
+            </a:p>
+          </p:txBody>
+        </p:sp>
+        <p:sp>
+          <p:nvSpPr>
+            <p:cNvPr id="97" name="文本框 96">
+              <a:extLst>
+                <a:ext uri="{FF2B5EF4-FFF2-40B4-BE49-F238E27FC236}">
+                  <a16:creationId xmlns:a16="http://schemas.microsoft.com/office/drawing/2014/main" id="{7BAABB0E-E93E-4007-929F-303489579265}"/>
+                </a:ext>
+              </a:extLst>
+            </p:cNvPr>
+            <p:cNvSpPr txBox="1"/>
+            <p:nvPr/>
+          </p:nvSpPr>
+          <p:spPr>
+            <a:xfrm>
+              <a:off x="8390748" y="668654"/>
+              <a:ext cx="771365" cy="215444"/>
+            </a:xfrm>
+            <a:prstGeom prst="rect">
+              <a:avLst/>
+            </a:prstGeom>
+            <a:noFill/>
+          </p:spPr>
+          <p:txBody>
+            <a:bodyPr wrap="none" rtlCol="0">
+              <a:spAutoFit/>
+            </a:bodyPr>
+            <a:lstStyle/>
+            <a:p>
+              <a:pPr algn="ctr"/>
+              <a:r>
+                <a:rPr lang="en-US" altLang="zh-CN" sz="800" dirty="0">
+                  <a:latin typeface="Arial" panose="020B0604020202020204" pitchFamily="34" charset="0"/>
+                  <a:cs typeface="Arial" panose="020B0604020202020204" pitchFamily="34" charset="0"/>
+                </a:rPr>
+                <a:t>Right hand 2</a:t>
+              </a:r>
+              <a:endParaRPr lang="zh-CN" altLang="en-US" sz="800" dirty="0">
+                <a:latin typeface="Arial" panose="020B0604020202020204" pitchFamily="34" charset="0"/>
+                <a:cs typeface="Arial" panose="020B0604020202020204" pitchFamily="34" charset="0"/>
+              </a:endParaRPr>
+            </a:p>
+          </p:txBody>
+        </p:sp>
       </p:grpSp>
     </p:spTree>
     <p:extLst>
